--- a/docs/Разработка справочного telegram-бота с информацией по эквайрингу.pptx
+++ b/docs/Разработка справочного telegram-бота с информацией по эквайрингу.pptx
@@ -6198,15 +6198,19 @@
           <a:p>
             <a:r>
               <a:rPr lang="ru-RU" dirty="0" smtClean="0"/>
-              <a:t>При разработке данного бота использовался </a:t>
-            </a:r>
-            <a:r>
-              <a:rPr lang="ru-RU" dirty="0" err="1" smtClean="0"/>
-              <a:t>генеративныый</a:t>
+              <a:t>При разработке данного бота </a:t>
+            </a:r>
+            <a:r>
+              <a:rPr lang="ru-RU" smtClean="0"/>
+              <a:t>использовался </a:t>
+            </a:r>
+            <a:r>
+              <a:rPr lang="ru-RU" smtClean="0"/>
+              <a:t>генеративный </a:t>
             </a:r>
             <a:r>
               <a:rPr lang="ru-RU" dirty="0" smtClean="0"/>
-              <a:t> искусственный интеллект, а именно </a:t>
+              <a:t>искусственный интеллект, а именно </a:t>
             </a:r>
             <a:r>
               <a:rPr lang="ru-RU" dirty="0" err="1" smtClean="0"/>
@@ -6428,16 +6432,13 @@
             </a:r>
             <a:r>
               <a:rPr lang="en-US" dirty="0"/>
-              <a:t>https://github.com/Qwerty000101/sber_acquiring_info_tg_bot.git</a:t>
+              <a:t>https://</a:t>
+            </a:r>
+            <a:r>
+              <a:rPr lang="en-US" dirty="0" smtClean="0"/>
+              <a:t>github.com/Qwerty000101/sber_acquiring_info_tg_bot.git</a:t>
             </a:r>
             <a:endParaRPr lang="ru-RU" dirty="0" smtClean="0"/>
-          </a:p>
-          <a:p>
-            <a:r>
-              <a:rPr lang="ru-RU" dirty="0" smtClean="0"/>
-              <a:t>Ссылка</a:t>
-            </a:r>
-            <a:endParaRPr lang="ru-RU" dirty="0"/>
           </a:p>
         </p:txBody>
       </p:sp>
